--- a/Diapositivas/3. Design For Testeability.pptx
+++ b/Diapositivas/3. Design For Testeability.pptx
@@ -5,7 +5,7 @@
     <p:sldMasterId id="2147483684" r:id="rId1"/>
   </p:sldMasterIdLst>
   <p:notesMasterIdLst>
-    <p:notesMasterId r:id="rId17"/>
+    <p:notesMasterId r:id="rId16"/>
   </p:notesMasterIdLst>
   <p:sldIdLst>
     <p:sldId id="684" r:id="rId2"/>
@@ -22,7 +22,6 @@
     <p:sldId id="639" r:id="rId13"/>
     <p:sldId id="640" r:id="rId14"/>
     <p:sldId id="658" r:id="rId15"/>
-    <p:sldId id="686" r:id="rId16"/>
   </p:sldIdLst>
   <p:sldSz cx="9144000" cy="6858000" type="screen4x3"/>
   <p:notesSz cx="6858000" cy="9144000"/>
@@ -133,15 +132,6 @@
 
 <file path=ppt/comments/comment1.xml><?xml version="1.0" encoding="utf-8"?>
 <p:cmLst xmlns:a="http://schemas.openxmlformats.org/drawingml/2006/main" xmlns:r="http://schemas.openxmlformats.org/officeDocument/2006/relationships" xmlns:p="http://schemas.openxmlformats.org/presentationml/2006/main">
-  <p:cm authorId="0" dt="2012-08-24T13:40:16.034" idx="15">
-    <p:pos x="10" y="10"/>
-    <p:text>Crear un ejemplo de código</p:text>
-  </p:cm>
-</p:cmLst>
-</file>
-
-<file path=ppt/comments/comment2.xml><?xml version="1.0" encoding="utf-8"?>
-<p:cmLst xmlns:a="http://schemas.openxmlformats.org/drawingml/2006/main" xmlns:r="http://schemas.openxmlformats.org/officeDocument/2006/relationships" xmlns:p="http://schemas.openxmlformats.org/presentationml/2006/main">
   <p:cm authorId="0" dt="2012-08-24T13:40:27.865" idx="16">
     <p:pos x="10" y="10"/>
     <p:text>Cambiar el ejemplo de código</p:text>
@@ -149,7 +139,7 @@
 </p:cmLst>
 </file>
 
-<file path=ppt/comments/comment3.xml><?xml version="1.0" encoding="utf-8"?>
+<file path=ppt/comments/comment2.xml><?xml version="1.0" encoding="utf-8"?>
 <p:cmLst xmlns:a="http://schemas.openxmlformats.org/drawingml/2006/main" xmlns:r="http://schemas.openxmlformats.org/officeDocument/2006/relationships" xmlns:p="http://schemas.openxmlformats.org/presentationml/2006/main">
   <p:cm authorId="0" dt="2012-08-22T17:59:56.774" idx="18">
     <p:pos x="10" y="10"/>
@@ -240,7 +230,7 @@
           <a:p>
             <a:fld id="{63D5FC4C-9EE1-4746-A368-724F618FC790}" type="datetimeFigureOut">
               <a:rPr lang="es-PE" smtClean="0"/>
-              <a:t>19/04/2013</a:t>
+              <a:t>23/04/2013</a:t>
             </a:fld>
             <a:endParaRPr lang="es-PE"/>
           </a:p>
@@ -1514,90 +1504,6 @@
 </p:notes>
 </file>
 
-<file path=ppt/notesSlides/notesSlide15.xml><?xml version="1.0" encoding="utf-8"?>
-<p:notes xmlns:a="http://schemas.openxmlformats.org/drawingml/2006/main" xmlns:r="http://schemas.openxmlformats.org/officeDocument/2006/relationships" xmlns:p="http://schemas.openxmlformats.org/presentationml/2006/main">
-  <p:cSld>
-    <p:spTree>
-      <p:nvGrpSpPr>
-        <p:cNvPr id="1" name=""/>
-        <p:cNvGrpSpPr/>
-        <p:nvPr/>
-      </p:nvGrpSpPr>
-      <p:grpSpPr>
-        <a:xfrm>
-          <a:off x="0" y="0"/>
-          <a:ext cx="0" cy="0"/>
-          <a:chOff x="0" y="0"/>
-          <a:chExt cx="0" cy="0"/>
-        </a:xfrm>
-      </p:grpSpPr>
-      <p:sp>
-        <p:nvSpPr>
-          <p:cNvPr id="2" name="1 Marcador de imagen de diapositiva"/>
-          <p:cNvSpPr>
-            <a:spLocks noGrp="1" noRot="1" noChangeAspect="1"/>
-          </p:cNvSpPr>
-          <p:nvPr>
-            <p:ph type="sldImg"/>
-          </p:nvPr>
-        </p:nvSpPr>
-        <p:spPr/>
-      </p:sp>
-      <p:sp>
-        <p:nvSpPr>
-          <p:cNvPr id="3" name="2 Marcador de notas"/>
-          <p:cNvSpPr>
-            <a:spLocks noGrp="1"/>
-          </p:cNvSpPr>
-          <p:nvPr>
-            <p:ph type="body" idx="1"/>
-          </p:nvPr>
-        </p:nvSpPr>
-        <p:spPr/>
-        <p:txBody>
-          <a:bodyPr/>
-          <a:lstStyle/>
-          <a:p>
-            <a:endParaRPr lang="es-PE" dirty="0"/>
-          </a:p>
-        </p:txBody>
-      </p:sp>
-      <p:sp>
-        <p:nvSpPr>
-          <p:cNvPr id="4" name="3 Marcador de número de diapositiva"/>
-          <p:cNvSpPr>
-            <a:spLocks noGrp="1"/>
-          </p:cNvSpPr>
-          <p:nvPr>
-            <p:ph type="sldNum" sz="quarter" idx="10"/>
-          </p:nvPr>
-        </p:nvSpPr>
-        <p:spPr/>
-        <p:txBody>
-          <a:bodyPr/>
-          <a:lstStyle/>
-          <a:p>
-            <a:fld id="{96DE5A63-0F1F-4DC0-ADE0-CC17EBA6F230}" type="slidenum">
-              <a:rPr lang="es-PE" smtClean="0"/>
-              <a:t>15</a:t>
-            </a:fld>
-            <a:endParaRPr lang="es-PE"/>
-          </a:p>
-        </p:txBody>
-      </p:sp>
-    </p:spTree>
-    <p:extLst>
-      <p:ext uri="{BB962C8B-B14F-4D97-AF65-F5344CB8AC3E}">
-        <p14:creationId xmlns:p14="http://schemas.microsoft.com/office/powerpoint/2010/main" val="1461112982"/>
-      </p:ext>
-    </p:extLst>
-  </p:cSld>
-  <p:clrMapOvr>
-    <a:masterClrMapping/>
-  </p:clrMapOvr>
-</p:notes>
-</file>
-
 <file path=ppt/notesSlides/notesSlide2.xml><?xml version="1.0" encoding="utf-8"?>
 <p:notes xmlns:a="http://schemas.openxmlformats.org/drawingml/2006/main" xmlns:r="http://schemas.openxmlformats.org/officeDocument/2006/relationships" xmlns:p="http://schemas.openxmlformats.org/presentationml/2006/main">
   <p:cSld>
@@ -2656,7 +2562,7 @@
             <a:fld id="{807CB568-C05F-482F-9F26-AA302B8892DF}" type="datetimeFigureOut">
               <a:rPr lang="es-ES" smtClean="0"/>
               <a:pPr/>
-              <a:t>19/04/2013</a:t>
+              <a:t>23/04/2013</a:t>
             </a:fld>
             <a:endParaRPr lang="es-ES"/>
           </a:p>
@@ -2835,7 +2741,7 @@
             <a:fld id="{807CB568-C05F-482F-9F26-AA302B8892DF}" type="datetimeFigureOut">
               <a:rPr lang="es-ES" smtClean="0"/>
               <a:pPr/>
-              <a:t>19/04/2013</a:t>
+              <a:t>23/04/2013</a:t>
             </a:fld>
             <a:endParaRPr lang="es-ES"/>
           </a:p>
@@ -3024,7 +2930,7 @@
             <a:fld id="{807CB568-C05F-482F-9F26-AA302B8892DF}" type="datetimeFigureOut">
               <a:rPr lang="es-ES" smtClean="0"/>
               <a:pPr/>
-              <a:t>19/04/2013</a:t>
+              <a:t>23/04/2013</a:t>
             </a:fld>
             <a:endParaRPr lang="es-ES"/>
           </a:p>
@@ -3203,7 +3109,7 @@
             <a:fld id="{807CB568-C05F-482F-9F26-AA302B8892DF}" type="datetimeFigureOut">
               <a:rPr lang="es-ES" smtClean="0"/>
               <a:pPr/>
-              <a:t>19/04/2013</a:t>
+              <a:t>23/04/2013</a:t>
             </a:fld>
             <a:endParaRPr lang="es-ES"/>
           </a:p>
@@ -3458,7 +3364,7 @@
             <a:fld id="{807CB568-C05F-482F-9F26-AA302B8892DF}" type="datetimeFigureOut">
               <a:rPr lang="es-ES" smtClean="0"/>
               <a:pPr/>
-              <a:t>19/04/2013</a:t>
+              <a:t>23/04/2013</a:t>
             </a:fld>
             <a:endParaRPr lang="es-ES"/>
           </a:p>
@@ -3755,7 +3661,7 @@
             <a:fld id="{807CB568-C05F-482F-9F26-AA302B8892DF}" type="datetimeFigureOut">
               <a:rPr lang="es-ES" smtClean="0"/>
               <a:pPr/>
-              <a:t>19/04/2013</a:t>
+              <a:t>23/04/2013</a:t>
             </a:fld>
             <a:endParaRPr lang="es-ES"/>
           </a:p>
@@ -4186,7 +4092,7 @@
             <a:fld id="{807CB568-C05F-482F-9F26-AA302B8892DF}" type="datetimeFigureOut">
               <a:rPr lang="es-ES" smtClean="0"/>
               <a:pPr/>
-              <a:t>19/04/2013</a:t>
+              <a:t>23/04/2013</a:t>
             </a:fld>
             <a:endParaRPr lang="es-ES"/>
           </a:p>
@@ -4313,7 +4219,7 @@
             <a:fld id="{807CB568-C05F-482F-9F26-AA302B8892DF}" type="datetimeFigureOut">
               <a:rPr lang="es-ES" smtClean="0"/>
               <a:pPr/>
-              <a:t>19/04/2013</a:t>
+              <a:t>23/04/2013</a:t>
             </a:fld>
             <a:endParaRPr lang="es-ES"/>
           </a:p>
@@ -4417,7 +4323,7 @@
             <a:fld id="{807CB568-C05F-482F-9F26-AA302B8892DF}" type="datetimeFigureOut">
               <a:rPr lang="es-ES" smtClean="0"/>
               <a:pPr/>
-              <a:t>19/04/2013</a:t>
+              <a:t>23/04/2013</a:t>
             </a:fld>
             <a:endParaRPr lang="es-ES"/>
           </a:p>
@@ -4703,7 +4609,7 @@
             <a:fld id="{807CB568-C05F-482F-9F26-AA302B8892DF}" type="datetimeFigureOut">
               <a:rPr lang="es-ES" smtClean="0"/>
               <a:pPr/>
-              <a:t>19/04/2013</a:t>
+              <a:t>23/04/2013</a:t>
             </a:fld>
             <a:endParaRPr lang="es-ES"/>
           </a:p>
@@ -4972,7 +4878,7 @@
             <a:fld id="{807CB568-C05F-482F-9F26-AA302B8892DF}" type="datetimeFigureOut">
               <a:rPr lang="es-ES" smtClean="0"/>
               <a:pPr/>
-              <a:t>19/04/2013</a:t>
+              <a:t>23/04/2013</a:t>
             </a:fld>
             <a:endParaRPr lang="es-ES"/>
           </a:p>
@@ -5223,7 +5129,7 @@
             <a:fld id="{807CB568-C05F-482F-9F26-AA302B8892DF}" type="datetimeFigureOut">
               <a:rPr lang="es-ES" smtClean="0"/>
               <a:pPr/>
-              <a:t>19/04/2013</a:t>
+              <a:t>23/04/2013</a:t>
             </a:fld>
             <a:endParaRPr lang="es-ES"/>
           </a:p>
@@ -5860,19 +5766,11 @@
           <a:p>
             <a:r>
               <a:rPr lang="en-US" sz="2200" dirty="0" smtClean="0"/>
-              <a:t>"Test </a:t>
+              <a:t>"</a:t>
             </a:r>
             <a:r>
               <a:rPr lang="en-US" sz="2200" smtClean="0"/>
-              <a:t>Automation </a:t>
-            </a:r>
-            <a:r>
-              <a:rPr lang="en-US" sz="2200" smtClean="0"/>
-              <a:t>Java</a:t>
-            </a:r>
-            <a:r>
-              <a:rPr lang="en-US" sz="2200" smtClean="0"/>
-              <a:t>"</a:t>
+              <a:t>Test Automation .NET"</a:t>
             </a:r>
             <a:r>
               <a:rPr lang="en-US" sz="2200" dirty="0"/>
@@ -6061,6 +5959,60 @@
           <a:chExt cx="0" cy="0"/>
         </a:xfrm>
       </p:grpSpPr>
+      <p:pic>
+        <p:nvPicPr>
+          <p:cNvPr id="3074" name="Picture 2"/>
+          <p:cNvPicPr>
+            <a:picLocks noChangeAspect="1" noChangeArrowheads="1"/>
+          </p:cNvPicPr>
+          <p:nvPr/>
+        </p:nvPicPr>
+        <p:blipFill>
+          <a:blip r:embed="rId3">
+            <a:extLst>
+              <a:ext uri="{28A0092B-C50C-407E-A947-70E740481C1C}">
+                <a14:useLocalDpi xmlns:a14="http://schemas.microsoft.com/office/drawing/2010/main" val="0"/>
+              </a:ext>
+            </a:extLst>
+          </a:blip>
+          <a:srcRect/>
+          <a:stretch>
+            <a:fillRect/>
+          </a:stretch>
+        </p:blipFill>
+        <p:spPr bwMode="auto">
+          <a:xfrm>
+            <a:off x="1215861" y="1556792"/>
+            <a:ext cx="6975791" cy="1900707"/>
+          </a:xfrm>
+          <a:prstGeom prst="rect">
+            <a:avLst/>
+          </a:prstGeom>
+          <a:noFill/>
+          <a:ln>
+            <a:noFill/>
+          </a:ln>
+          <a:extLst>
+            <a:ext uri="{909E8E84-426E-40DD-AFC4-6F175D3DCCD1}">
+              <a14:hiddenFill xmlns:a14="http://schemas.microsoft.com/office/drawing/2010/main">
+                <a:solidFill>
+                  <a:schemeClr val="accent1"/>
+                </a:solidFill>
+              </a14:hiddenFill>
+            </a:ext>
+            <a:ext uri="{91240B29-F687-4F45-9708-019B960494DF}">
+              <a14:hiddenLine xmlns:a14="http://schemas.microsoft.com/office/drawing/2010/main" w="9525">
+                <a:solidFill>
+                  <a:schemeClr val="tx1"/>
+                </a:solidFill>
+                <a:miter lim="800000"/>
+                <a:headEnd/>
+                <a:tailEnd/>
+              </a14:hiddenLine>
+            </a:ext>
+          </a:extLst>
+        </p:spPr>
+      </p:pic>
       <p:sp>
         <p:nvSpPr>
           <p:cNvPr id="5" name="2 Título"/>
@@ -6105,7 +6057,7 @@
         </p:nvSpPr>
         <p:spPr>
           <a:xfrm>
-            <a:off x="694787" y="4811668"/>
+            <a:off x="694787" y="4685655"/>
             <a:ext cx="7776864" cy="1569660"/>
           </a:xfrm>
           <a:prstGeom prst="rect">
@@ -6155,7 +6107,7 @@
         </p:nvSpPr>
         <p:spPr>
           <a:xfrm>
-            <a:off x="718330" y="3771037"/>
+            <a:off x="718330" y="3645024"/>
             <a:ext cx="7776864" cy="954107"/>
           </a:xfrm>
           <a:prstGeom prst="rect">
@@ -6173,7 +6125,7 @@
             <a:r>
               <a:rPr lang="es-PE" sz="2800" dirty="0" smtClean="0">
                 <a:solidFill>
-                  <a:srgbClr val="FF0000"/>
+                  <a:srgbClr val="FFC000"/>
                 </a:solidFill>
               </a:rPr>
               <a:t>Los métodos estáticos son código procedural y no Orientado a Objetos.</a:t>
@@ -6181,130 +6133,50 @@
           </a:p>
         </p:txBody>
       </p:sp>
-      <p:grpSp>
-        <p:nvGrpSpPr>
-          <p:cNvPr id="3" name="2 Grupo"/>
-          <p:cNvGrpSpPr/>
+      <p:sp>
+        <p:nvSpPr>
+          <p:cNvPr id="2" name="1 Elipse"/>
+          <p:cNvSpPr/>
           <p:nvPr/>
-        </p:nvGrpSpPr>
-        <p:grpSpPr>
+        </p:nvSpPr>
+        <p:spPr>
           <a:xfrm>
-            <a:off x="1212188" y="1315361"/>
-            <a:ext cx="6936702" cy="2366007"/>
-            <a:chOff x="1534949" y="1315361"/>
-            <a:chExt cx="6936702" cy="2366007"/>
+            <a:off x="4703757" y="1842599"/>
+            <a:ext cx="3487896" cy="509929"/>
           </a:xfrm>
-        </p:grpSpPr>
-        <p:pic>
-          <p:nvPicPr>
-            <p:cNvPr id="1028" name="Picture 4"/>
-            <p:cNvPicPr>
-              <a:picLocks noChangeAspect="1" noChangeArrowheads="1"/>
-            </p:cNvPicPr>
-            <p:nvPr/>
-          </p:nvPicPr>
-          <p:blipFill>
-            <a:blip r:embed="rId3">
-              <a:extLst>
-                <a:ext uri="{28A0092B-C50C-407E-A947-70E740481C1C}">
-                  <a14:useLocalDpi xmlns:a14="http://schemas.microsoft.com/office/drawing/2010/main" val="0"/>
-                </a:ext>
-              </a:extLst>
-            </a:blip>
-            <a:srcRect/>
-            <a:stretch>
-              <a:fillRect/>
-            </a:stretch>
-          </p:blipFill>
-          <p:spPr bwMode="auto">
-            <a:xfrm>
-              <a:off x="1534949" y="1315361"/>
-              <a:ext cx="6936702" cy="2366007"/>
-            </a:xfrm>
-            <a:prstGeom prst="rect">
-              <a:avLst/>
-            </a:prstGeom>
-            <a:ln>
-              <a:noFill/>
-            </a:ln>
-            <a:effectLst>
-              <a:softEdge rad="112500"/>
-            </a:effectLst>
-            <a:extLst>
-              <a:ext uri="{909E8E84-426E-40DD-AFC4-6F175D3DCCD1}">
-                <a14:hiddenFill xmlns:a14="http://schemas.microsoft.com/office/drawing/2010/main">
-                  <a:solidFill>
-                    <a:schemeClr val="accent1"/>
-                  </a:solidFill>
-                </a14:hiddenFill>
-              </a:ext>
-              <a:ext uri="{91240B29-F687-4F45-9708-019B960494DF}">
-                <a14:hiddenLine xmlns:a14="http://schemas.microsoft.com/office/drawing/2010/main" w="9525">
-                  <a:solidFill>
-                    <a:schemeClr val="tx1"/>
-                  </a:solidFill>
-                  <a:miter lim="800000"/>
-                  <a:headEnd/>
-                  <a:tailEnd/>
-                </a14:hiddenLine>
-              </a:ext>
-              <a:ext uri="{AF507438-7753-43E0-B8FC-AC1667EBCBE1}">
-                <a14:hiddenEffects xmlns:a14="http://schemas.microsoft.com/office/drawing/2010/main">
-                  <a:effectLst>
-                    <a:outerShdw dist="35921" dir="2700000" algn="ctr" rotWithShape="0">
-                      <a:schemeClr val="bg2"/>
-                    </a:outerShdw>
-                  </a:effectLst>
-                </a14:hiddenEffects>
-              </a:ext>
-            </a:extLst>
-          </p:spPr>
-        </p:pic>
-        <p:sp>
-          <p:nvSpPr>
-            <p:cNvPr id="2" name="1 Elipse"/>
-            <p:cNvSpPr/>
-            <p:nvPr/>
-          </p:nvSpPr>
-          <p:spPr>
-            <a:xfrm>
-              <a:off x="4262552" y="2021564"/>
-              <a:ext cx="4052406" cy="509929"/>
-            </a:xfrm>
-            <a:prstGeom prst="ellipse">
-              <a:avLst/>
-            </a:prstGeom>
-            <a:noFill/>
-            <a:ln w="57150">
-              <a:solidFill>
-                <a:srgbClr val="FF0000"/>
-              </a:solidFill>
-            </a:ln>
-          </p:spPr>
-          <p:style>
-            <a:lnRef idx="2">
-              <a:schemeClr val="accent2"/>
-            </a:lnRef>
-            <a:fillRef idx="1">
-              <a:schemeClr val="lt1"/>
-            </a:fillRef>
-            <a:effectRef idx="0">
-              <a:schemeClr val="accent2"/>
-            </a:effectRef>
-            <a:fontRef idx="minor">
-              <a:schemeClr val="dk1"/>
-            </a:fontRef>
-          </p:style>
-          <p:txBody>
-            <a:bodyPr rtlCol="0" anchor="ctr"/>
-            <a:lstStyle/>
-            <a:p>
-              <a:pPr algn="ctr"/>
-              <a:endParaRPr lang="es-PE"/>
-            </a:p>
-          </p:txBody>
-        </p:sp>
-      </p:grpSp>
+          <a:prstGeom prst="ellipse">
+            <a:avLst/>
+          </a:prstGeom>
+          <a:noFill/>
+          <a:ln w="57150">
+            <a:solidFill>
+              <a:srgbClr val="FF0000"/>
+            </a:solidFill>
+          </a:ln>
+        </p:spPr>
+        <p:style>
+          <a:lnRef idx="2">
+            <a:schemeClr val="accent2"/>
+          </a:lnRef>
+          <a:fillRef idx="1">
+            <a:schemeClr val="lt1"/>
+          </a:fillRef>
+          <a:effectRef idx="0">
+            <a:schemeClr val="accent2"/>
+          </a:effectRef>
+          <a:fontRef idx="minor">
+            <a:schemeClr val="dk1"/>
+          </a:fontRef>
+        </p:style>
+        <p:txBody>
+          <a:bodyPr rtlCol="0" anchor="ctr"/>
+          <a:lstStyle/>
+          <a:p>
+            <a:pPr algn="ctr"/>
+            <a:endParaRPr lang="es-PE"/>
+          </a:p>
+        </p:txBody>
+      </p:sp>
     </p:spTree>
     <p:extLst>
       <p:ext uri="{BB962C8B-B14F-4D97-AF65-F5344CB8AC3E}">
@@ -6852,7 +6724,7 @@
             <a:r>
               <a:rPr lang="es-ES" sz="2800" dirty="0" smtClean="0">
                 <a:solidFill>
-                  <a:srgbClr val="FF0000"/>
+                  <a:srgbClr val="FFC000"/>
                 </a:solidFill>
               </a:rPr>
               <a:t>Composición</a:t>
@@ -6886,7 +6758,7 @@
             <a:r>
               <a:rPr lang="es-ES" sz="2800" dirty="0" smtClean="0">
                 <a:solidFill>
-                  <a:srgbClr val="FF0000"/>
+                  <a:srgbClr val="FFC000"/>
                 </a:solidFill>
               </a:rPr>
               <a:t>Herencia</a:t>
@@ -6902,7 +6774,7 @@
         </p:nvSpPr>
         <p:spPr>
           <a:xfrm>
-            <a:off x="364365" y="4653136"/>
+            <a:off x="364365" y="4437112"/>
             <a:ext cx="8363950" cy="1815882"/>
           </a:xfrm>
           <a:prstGeom prst="rect">
@@ -6933,7 +6805,7 @@
       </p:sp>
       <p:pic>
         <p:nvPicPr>
-          <p:cNvPr id="2056" name="Picture 8"/>
+          <p:cNvPr id="4099" name="Picture 3"/>
           <p:cNvPicPr>
             <a:picLocks noChangeAspect="1" noChangeArrowheads="1"/>
           </p:cNvPicPr>
@@ -6954,18 +6826,16 @@
         </p:blipFill>
         <p:spPr bwMode="auto">
           <a:xfrm>
-            <a:off x="4649618" y="1513610"/>
-            <a:ext cx="4487897" cy="3039172"/>
+            <a:off x="4643407" y="1677987"/>
+            <a:ext cx="4295750" cy="2471094"/>
           </a:xfrm>
           <a:prstGeom prst="rect">
             <a:avLst/>
           </a:prstGeom>
+          <a:noFill/>
           <a:ln>
             <a:noFill/>
           </a:ln>
-          <a:effectLst>
-            <a:softEdge rad="112500"/>
-          </a:effectLst>
           <a:extLst>
             <a:ext uri="{909E8E84-426E-40DD-AFC4-6F175D3DCCD1}">
               <a14:hiddenFill xmlns:a14="http://schemas.microsoft.com/office/drawing/2010/main">
@@ -6983,22 +6853,13 @@
                 <a:headEnd/>
                 <a:tailEnd/>
               </a14:hiddenLine>
-            </a:ext>
-            <a:ext uri="{AF507438-7753-43E0-B8FC-AC1667EBCBE1}">
-              <a14:hiddenEffects xmlns:a14="http://schemas.microsoft.com/office/drawing/2010/main">
-                <a:effectLst>
-                  <a:outerShdw dist="35921" dir="2700000" algn="ctr" rotWithShape="0">
-                    <a:schemeClr val="bg2"/>
-                  </a:outerShdw>
-                </a:effectLst>
-              </a14:hiddenEffects>
             </a:ext>
           </a:extLst>
         </p:spPr>
       </p:pic>
       <p:pic>
         <p:nvPicPr>
-          <p:cNvPr id="2061" name="Picture 13"/>
+          <p:cNvPr id="4100" name="Picture 4"/>
           <p:cNvPicPr>
             <a:picLocks noChangeAspect="1" noChangeArrowheads="1"/>
           </p:cNvPicPr>
@@ -7019,18 +6880,16 @@
         </p:blipFill>
         <p:spPr bwMode="auto">
           <a:xfrm>
-            <a:off x="41562" y="1513610"/>
-            <a:ext cx="4680000" cy="2320788"/>
+            <a:off x="231254" y="1677987"/>
+            <a:ext cx="4220477" cy="1891691"/>
           </a:xfrm>
           <a:prstGeom prst="rect">
             <a:avLst/>
           </a:prstGeom>
+          <a:noFill/>
           <a:ln>
             <a:noFill/>
           </a:ln>
-          <a:effectLst>
-            <a:softEdge rad="112500"/>
-          </a:effectLst>
           <a:extLst>
             <a:ext uri="{909E8E84-426E-40DD-AFC4-6F175D3DCCD1}">
               <a14:hiddenFill xmlns:a14="http://schemas.microsoft.com/office/drawing/2010/main">
@@ -7048,15 +6907,6 @@
                 <a:headEnd/>
                 <a:tailEnd/>
               </a14:hiddenLine>
-            </a:ext>
-            <a:ext uri="{AF507438-7753-43E0-B8FC-AC1667EBCBE1}">
-              <a14:hiddenEffects xmlns:a14="http://schemas.microsoft.com/office/drawing/2010/main">
-                <a:effectLst>
-                  <a:outerShdw dist="35921" dir="2700000" algn="ctr" rotWithShape="0">
-                    <a:schemeClr val="bg2"/>
-                  </a:outerShdw>
-                </a:effectLst>
-              </a14:hiddenEffects>
             </a:ext>
           </a:extLst>
         </p:spPr>
@@ -7417,319 +7267,6 @@
     <p:extLst>
       <p:ext uri="{BB962C8B-B14F-4D97-AF65-F5344CB8AC3E}">
         <p14:creationId xmlns:p14="http://schemas.microsoft.com/office/powerpoint/2010/main" val="102593121"/>
-      </p:ext>
-    </p:extLst>
-  </p:cSld>
-  <p:clrMapOvr>
-    <a:masterClrMapping/>
-  </p:clrMapOvr>
-  <p:timing>
-    <p:tnLst>
-      <p:par>
-        <p:cTn id="1" dur="indefinite" restart="never" nodeType="tmRoot"/>
-      </p:par>
-    </p:tnLst>
-  </p:timing>
-</p:sld>
-</file>
-
-<file path=ppt/slides/slide15.xml><?xml version="1.0" encoding="utf-8"?>
-<p:sld xmlns:a="http://schemas.openxmlformats.org/drawingml/2006/main" xmlns:r="http://schemas.openxmlformats.org/officeDocument/2006/relationships" xmlns:p="http://schemas.openxmlformats.org/presentationml/2006/main">
-  <p:cSld>
-    <p:spTree>
-      <p:nvGrpSpPr>
-        <p:cNvPr id="1" name=""/>
-        <p:cNvGrpSpPr/>
-        <p:nvPr/>
-      </p:nvGrpSpPr>
-      <p:grpSpPr>
-        <a:xfrm>
-          <a:off x="0" y="0"/>
-          <a:ext cx="0" cy="0"/>
-          <a:chOff x="0" y="0"/>
-          <a:chExt cx="0" cy="0"/>
-        </a:xfrm>
-      </p:grpSpPr>
-      <p:sp>
-        <p:nvSpPr>
-          <p:cNvPr id="2" name="1 Título"/>
-          <p:cNvSpPr>
-            <a:spLocks noGrp="1"/>
-          </p:cNvSpPr>
-          <p:nvPr>
-            <p:ph type="ctrTitle"/>
-          </p:nvPr>
-        </p:nvSpPr>
-        <p:spPr>
-          <a:xfrm>
-            <a:off x="472008" y="1124744"/>
-            <a:ext cx="8204448" cy="3600400"/>
-          </a:xfrm>
-        </p:spPr>
-        <p:txBody>
-          <a:bodyPr/>
-          <a:lstStyle/>
-          <a:p>
-            <a:r>
-              <a:rPr lang="en-US" sz="7200" b="1" dirty="0" smtClean="0">
-                <a:solidFill>
-                  <a:srgbClr val="FF0000"/>
-                </a:solidFill>
-              </a:rPr>
-              <a:t>Dependency Injection Containers</a:t>
-            </a:r>
-            <a:r>
-              <a:rPr lang="en-US" sz="8000" b="1" dirty="0" smtClean="0">
-                <a:solidFill>
-                  <a:srgbClr val="FF0000"/>
-                </a:solidFill>
-              </a:rPr>
-              <a:t/>
-            </a:r>
-            <a:br>
-              <a:rPr lang="en-US" sz="8000" b="1" dirty="0" smtClean="0">
-                <a:solidFill>
-                  <a:srgbClr val="FF0000"/>
-                </a:solidFill>
-              </a:rPr>
-            </a:br>
-            <a:r>
-              <a:rPr lang="en-US" sz="5400" b="1" dirty="0"/>
-              <a:t>Test Automation</a:t>
-            </a:r>
-            <a:endParaRPr lang="en-US" sz="5400" b="1" dirty="0">
-              <a:solidFill>
-                <a:srgbClr val="FF0000"/>
-              </a:solidFill>
-            </a:endParaRPr>
-          </a:p>
-        </p:txBody>
-      </p:sp>
-      <p:sp>
-        <p:nvSpPr>
-          <p:cNvPr id="5" name="2 Subtítulo"/>
-          <p:cNvSpPr txBox="1">
-            <a:spLocks/>
-          </p:cNvSpPr>
-          <p:nvPr/>
-        </p:nvSpPr>
-        <p:spPr bwMode="auto">
-          <a:xfrm>
-            <a:off x="179512" y="5407164"/>
-            <a:ext cx="3214709" cy="515717"/>
-          </a:xfrm>
-          <a:prstGeom prst="rect">
-            <a:avLst/>
-          </a:prstGeom>
-          <a:noFill/>
-          <a:ln w="9525">
-            <a:noFill/>
-            <a:miter lim="800000"/>
-            <a:headEnd/>
-            <a:tailEnd/>
-          </a:ln>
-        </p:spPr>
-        <p:txBody>
-          <a:bodyPr vert="horz" wrap="square" lIns="91440" tIns="45720" rIns="91440" bIns="45720" numCol="1" rtlCol="0" anchor="t" anchorCtr="0" compatLnSpc="1">
-            <a:prstTxWarp prst="textNoShape">
-              <a:avLst/>
-            </a:prstTxWarp>
-            <a:noAutofit/>
-          </a:bodyPr>
-          <a:lstStyle/>
-          <a:p>
-            <a:pPr marL="0" marR="0" lvl="0" indent="0" algn="ctr" defTabSz="914400" rtl="0" eaLnBrk="1" fontAlgn="auto" latinLnBrk="0" hangingPunct="1">
-              <a:lnSpc>
-                <a:spcPct val="100000"/>
-              </a:lnSpc>
-              <a:spcBef>
-                <a:spcPct val="20000"/>
-              </a:spcBef>
-              <a:spcAft>
-                <a:spcPts val="0"/>
-              </a:spcAft>
-              <a:buClrTx/>
-              <a:buSzTx/>
-              <a:buFont typeface="Arial" pitchFamily="34" charset="0"/>
-              <a:buNone/>
-              <a:tabLst/>
-              <a:defRPr/>
-            </a:pPr>
-            <a:r>
-              <a:rPr kumimoji="0" lang="es-PE" sz="2600" b="1" i="0" u="none" strike="noStrike" kern="1200" cap="none" spc="0" normalizeH="0" baseline="0" noProof="0" dirty="0" smtClean="0">
-                <a:ln>
-                  <a:noFill/>
-                </a:ln>
-                <a:solidFill>
-                  <a:srgbClr val="00B050"/>
-                </a:solidFill>
-                <a:effectLst/>
-                <a:uLnTx/>
-                <a:uFillTx/>
-              </a:rPr>
-              <a:t>Angel Núñez Salazar</a:t>
-            </a:r>
-          </a:p>
-        </p:txBody>
-      </p:sp>
-      <p:sp>
-        <p:nvSpPr>
-          <p:cNvPr id="7" name="Rectangle 1"/>
-          <p:cNvSpPr>
-            <a:spLocks noChangeArrowheads="1"/>
-          </p:cNvSpPr>
-          <p:nvPr/>
-        </p:nvSpPr>
-        <p:spPr bwMode="auto">
-          <a:xfrm>
-            <a:off x="3715072" y="5157192"/>
-            <a:ext cx="5105400" cy="1015663"/>
-          </a:xfrm>
-          <a:prstGeom prst="rect">
-            <a:avLst/>
-          </a:prstGeom>
-          <a:noFill/>
-          <a:ln w="9525">
-            <a:noFill/>
-            <a:miter lim="800000"/>
-            <a:headEnd/>
-            <a:tailEnd/>
-          </a:ln>
-          <a:effectLst/>
-        </p:spPr>
-        <p:txBody>
-          <a:bodyPr vert="horz" wrap="square" lIns="91440" tIns="45720" rIns="91440" bIns="45720" numCol="1" anchor="ctr" anchorCtr="0" compatLnSpc="1">
-            <a:prstTxWarp prst="textNoShape">
-              <a:avLst/>
-            </a:prstTxWarp>
-            <a:spAutoFit/>
-          </a:bodyPr>
-          <a:lstStyle/>
-          <a:p>
-            <a:pPr lvl="0" algn="r" fontAlgn="base">
-              <a:spcBef>
-                <a:spcPct val="0"/>
-              </a:spcBef>
-              <a:spcAft>
-                <a:spcPct val="0"/>
-              </a:spcAft>
-            </a:pPr>
-            <a:r>
-              <a:rPr lang="en-US" sz="2000" dirty="0" smtClean="0">
-                <a:latin typeface="Trebuchet MS" pitchFamily="34" charset="0"/>
-                <a:ea typeface="Calibri" pitchFamily="34" charset="0"/>
-                <a:cs typeface="Arial" pitchFamily="34" charset="0"/>
-              </a:rPr>
-              <a:t>Email: </a:t>
-            </a:r>
-            <a:r>
-              <a:rPr lang="en-US" sz="2000" dirty="0">
-                <a:solidFill>
-                  <a:srgbClr val="FFC000"/>
-                </a:solidFill>
-                <a:latin typeface="Trebuchet MS" pitchFamily="34" charset="0"/>
-                <a:ea typeface="Calibri" pitchFamily="34" charset="0"/>
-                <a:cs typeface="Arial" pitchFamily="34" charset="0"/>
-              </a:rPr>
-              <a:t>angel.nunez.salazar@gmail.com</a:t>
-            </a:r>
-          </a:p>
-          <a:p>
-            <a:pPr lvl="0" algn="r" eaLnBrk="0" fontAlgn="base" hangingPunct="0">
-              <a:spcBef>
-                <a:spcPct val="0"/>
-              </a:spcBef>
-              <a:spcAft>
-                <a:spcPct val="0"/>
-              </a:spcAft>
-            </a:pPr>
-            <a:r>
-              <a:rPr lang="en-US" sz="2000" dirty="0" smtClean="0">
-                <a:latin typeface="Trebuchet MS" pitchFamily="34" charset="0"/>
-                <a:ea typeface="Calibri" pitchFamily="34" charset="0"/>
-                <a:cs typeface="Arial" pitchFamily="34" charset="0"/>
-              </a:rPr>
-              <a:t>Blog: </a:t>
-            </a:r>
-            <a:r>
-              <a:rPr lang="en-US" sz="2000" dirty="0">
-                <a:solidFill>
-                  <a:srgbClr val="FFC000"/>
-                </a:solidFill>
-                <a:latin typeface="Trebuchet MS" pitchFamily="34" charset="0"/>
-                <a:ea typeface="Calibri" pitchFamily="34" charset="0"/>
-                <a:cs typeface="Arial" pitchFamily="34" charset="0"/>
-              </a:rPr>
-              <a:t>http://</a:t>
-            </a:r>
-            <a:r>
-              <a:rPr lang="en-US" sz="2000" dirty="0" smtClean="0">
-                <a:solidFill>
-                  <a:srgbClr val="FFC000"/>
-                </a:solidFill>
-                <a:latin typeface="Trebuchet MS" pitchFamily="34" charset="0"/>
-                <a:ea typeface="Calibri" pitchFamily="34" charset="0"/>
-                <a:cs typeface="Arial" pitchFamily="34" charset="0"/>
-              </a:rPr>
-              <a:t>snahider.blogspot.com</a:t>
-            </a:r>
-          </a:p>
-          <a:p>
-            <a:pPr lvl="0" algn="r" eaLnBrk="0" fontAlgn="base" hangingPunct="0">
-              <a:spcBef>
-                <a:spcPct val="0"/>
-              </a:spcBef>
-              <a:spcAft>
-                <a:spcPct val="0"/>
-              </a:spcAft>
-            </a:pPr>
-            <a:r>
-              <a:rPr lang="en-US" sz="2000" dirty="0" smtClean="0">
-                <a:latin typeface="Trebuchet MS" pitchFamily="34" charset="0"/>
-                <a:ea typeface="Calibri" pitchFamily="34" charset="0"/>
-                <a:cs typeface="Arial" pitchFamily="34" charset="0"/>
-              </a:rPr>
-              <a:t>Twitter: </a:t>
-            </a:r>
-            <a:r>
-              <a:rPr lang="en-US" sz="2000" dirty="0" smtClean="0">
-                <a:solidFill>
-                  <a:srgbClr val="FFC000"/>
-                </a:solidFill>
-                <a:latin typeface="Trebuchet MS" pitchFamily="34" charset="0"/>
-                <a:ea typeface="Calibri" pitchFamily="34" charset="0"/>
-                <a:cs typeface="Arial" pitchFamily="34" charset="0"/>
-              </a:rPr>
-              <a:t>@</a:t>
-            </a:r>
-            <a:r>
-              <a:rPr lang="en-US" sz="2000" dirty="0" err="1" smtClean="0">
-                <a:solidFill>
-                  <a:srgbClr val="FFC000"/>
-                </a:solidFill>
-                <a:latin typeface="Trebuchet MS" pitchFamily="34" charset="0"/>
-                <a:ea typeface="Calibri" pitchFamily="34" charset="0"/>
-                <a:cs typeface="Arial" pitchFamily="34" charset="0"/>
-              </a:rPr>
-              <a:t>snahider</a:t>
-            </a:r>
-            <a:r>
-              <a:rPr lang="en-US" sz="2000" dirty="0" smtClean="0">
-                <a:solidFill>
-                  <a:srgbClr val="FFC000"/>
-                </a:solidFill>
-                <a:latin typeface="Trebuchet MS" pitchFamily="34" charset="0"/>
-                <a:cs typeface="Arial" pitchFamily="34" charset="0"/>
-              </a:rPr>
-              <a:t> </a:t>
-            </a:r>
-          </a:p>
-        </p:txBody>
-      </p:sp>
-    </p:spTree>
-    <p:extLst>
-      <p:ext uri="{BB962C8B-B14F-4D97-AF65-F5344CB8AC3E}">
-        <p14:creationId xmlns:p14="http://schemas.microsoft.com/office/powerpoint/2010/main" val="3530689545"/>
       </p:ext>
     </p:extLst>
   </p:cSld>
@@ -8419,7 +7956,7 @@
             <a:r>
               <a:rPr lang="es-ES" sz="2800" dirty="0">
                 <a:solidFill>
-                  <a:srgbClr val="FF0000"/>
+                  <a:srgbClr val="FFC000"/>
                 </a:solidFill>
               </a:rPr>
               <a:t>Aislar las dependencias e inyectarlas</a:t>
@@ -8427,7 +7964,7 @@
             <a:r>
               <a:rPr lang="es-ES" sz="2800" dirty="0" smtClean="0">
                 <a:solidFill>
-                  <a:srgbClr val="FF0000"/>
+                  <a:srgbClr val="FFC000"/>
                 </a:solidFill>
               </a:rPr>
               <a:t>.</a:t>
@@ -8588,7 +8125,7 @@
             <a:r>
               <a:rPr lang="es-PE" sz="2800" dirty="0" smtClean="0">
                 <a:solidFill>
-                  <a:srgbClr val="FF0000"/>
+                  <a:srgbClr val="FFC000"/>
                 </a:solidFill>
               </a:rPr>
               <a:t>Mientras </a:t>
@@ -8596,7 +8133,7 @@
             <a:r>
               <a:rPr lang="es-PE" sz="2800" dirty="0">
                 <a:solidFill>
-                  <a:srgbClr val="FF0000"/>
+                  <a:srgbClr val="FFC000"/>
                 </a:solidFill>
               </a:rPr>
               <a:t>más trabajo hagamos en el constructor, más difícil será crear el objeto para hacer pruebas con el.</a:t>
@@ -8627,18 +8164,16 @@
         </p:blipFill>
         <p:spPr bwMode="auto">
           <a:xfrm>
-            <a:off x="831393" y="1220754"/>
-            <a:ext cx="7415162" cy="4008446"/>
+            <a:off x="709375" y="1404318"/>
+            <a:ext cx="7659197" cy="3802893"/>
           </a:xfrm>
           <a:prstGeom prst="rect">
             <a:avLst/>
           </a:prstGeom>
+          <a:noFill/>
           <a:ln>
             <a:noFill/>
           </a:ln>
-          <a:effectLst>
-            <a:softEdge rad="112500"/>
-          </a:effectLst>
           <a:extLst>
             <a:ext uri="{909E8E84-426E-40DD-AFC4-6F175D3DCCD1}">
               <a14:hiddenFill xmlns:a14="http://schemas.microsoft.com/office/drawing/2010/main">
@@ -8656,15 +8191,6 @@
                 <a:headEnd/>
                 <a:tailEnd/>
               </a14:hiddenLine>
-            </a:ext>
-            <a:ext uri="{AF507438-7753-43E0-B8FC-AC1667EBCBE1}">
-              <a14:hiddenEffects xmlns:a14="http://schemas.microsoft.com/office/drawing/2010/main">
-                <a:effectLst>
-                  <a:outerShdw dist="35921" dir="2700000" algn="ctr" rotWithShape="0">
-                    <a:schemeClr val="bg2"/>
-                  </a:outerShdw>
-                </a:effectLst>
-              </a14:hiddenEffects>
             </a:ext>
           </a:extLst>
         </p:spPr>
@@ -9192,7 +8718,7 @@
         </p:nvSpPr>
         <p:spPr>
           <a:xfrm>
-            <a:off x="428909" y="4437112"/>
+            <a:off x="428909" y="4149080"/>
             <a:ext cx="8220131" cy="2246769"/>
           </a:xfrm>
           <a:prstGeom prst="rect">
@@ -9264,7 +8790,7 @@
       </p:sp>
       <p:pic>
         <p:nvPicPr>
-          <p:cNvPr id="1026" name="Picture 2"/>
+          <p:cNvPr id="2051" name="Picture 3"/>
           <p:cNvPicPr>
             <a:picLocks noChangeAspect="1" noChangeArrowheads="1"/>
           </p:cNvPicPr>
@@ -9285,8 +8811,8 @@
         </p:blipFill>
         <p:spPr bwMode="auto">
           <a:xfrm>
-            <a:off x="1213352" y="1188408"/>
-            <a:ext cx="6651244" cy="3068737"/>
+            <a:off x="1060161" y="1365920"/>
+            <a:ext cx="6957626" cy="2641848"/>
           </a:xfrm>
           <a:prstGeom prst="rect">
             <a:avLst/>
@@ -9295,7 +8821,6 @@
           <a:ln>
             <a:noFill/>
           </a:ln>
-          <a:effectLst/>
           <a:extLst>
             <a:ext uri="{909E8E84-426E-40DD-AFC4-6F175D3DCCD1}">
               <a14:hiddenFill xmlns:a14="http://schemas.microsoft.com/office/drawing/2010/main">
@@ -9313,15 +8838,6 @@
                 <a:headEnd/>
                 <a:tailEnd/>
               </a14:hiddenLine>
-            </a:ext>
-            <a:ext uri="{AF507438-7753-43E0-B8FC-AC1667EBCBE1}">
-              <a14:hiddenEffects xmlns:a14="http://schemas.microsoft.com/office/drawing/2010/main">
-                <a:effectLst>
-                  <a:outerShdw dist="35921" dir="2700000" algn="ctr" rotWithShape="0">
-                    <a:schemeClr val="bg2"/>
-                  </a:outerShdw>
-                </a:effectLst>
-              </a14:hiddenEffects>
             </a:ext>
           </a:extLst>
         </p:spPr>

--- a/Diapositivas/3. Design For Testeability.pptx
+++ b/Diapositivas/3. Design For Testeability.pptx
@@ -5,7 +5,7 @@
     <p:sldMasterId id="2147483684" r:id="rId1"/>
   </p:sldMasterIdLst>
   <p:notesMasterIdLst>
-    <p:notesMasterId r:id="rId16"/>
+    <p:notesMasterId r:id="rId17"/>
   </p:notesMasterIdLst>
   <p:sldIdLst>
     <p:sldId id="684" r:id="rId2"/>
@@ -21,7 +21,8 @@
     <p:sldId id="638" r:id="rId12"/>
     <p:sldId id="639" r:id="rId13"/>
     <p:sldId id="640" r:id="rId14"/>
-    <p:sldId id="658" r:id="rId15"/>
+    <p:sldId id="685" r:id="rId15"/>
+    <p:sldId id="658" r:id="rId16"/>
   </p:sldIdLst>
   <p:sldSz cx="9144000" cy="6858000" type="screen4x3"/>
   <p:notesSz cx="6858000" cy="9144000"/>
@@ -230,7 +231,7 @@
           <a:p>
             <a:fld id="{63D5FC4C-9EE1-4746-A368-724F618FC790}" type="datetimeFigureOut">
               <a:rPr lang="es-PE" smtClean="0"/>
-              <a:t>23/04/2013</a:t>
+              <a:t>26/11/2013</a:t>
             </a:fld>
             <a:endParaRPr lang="es-PE"/>
           </a:p>
@@ -1464,7 +1465,11 @@
           <a:bodyPr/>
           <a:lstStyle/>
           <a:p>
-            <a:endParaRPr lang="es-PE" dirty="0"/>
+            <a:pPr marL="0" indent="0">
+              <a:buFontTx/>
+              <a:buNone/>
+            </a:pPr>
+            <a:endParaRPr lang="es-PE" baseline="0" noProof="0" dirty="0" smtClean="0"/>
           </a:p>
         </p:txBody>
       </p:sp>
@@ -1486,6 +1491,90 @@
             <a:fld id="{80C14895-23C8-45AE-85D5-3B35E5980A68}" type="slidenum">
               <a:rPr lang="es-PE" smtClean="0"/>
               <a:t>14</a:t>
+            </a:fld>
+            <a:endParaRPr lang="es-PE"/>
+          </a:p>
+        </p:txBody>
+      </p:sp>
+    </p:spTree>
+    <p:extLst>
+      <p:ext uri="{BB962C8B-B14F-4D97-AF65-F5344CB8AC3E}">
+        <p14:creationId xmlns:p14="http://schemas.microsoft.com/office/powerpoint/2010/main" val="3432092158"/>
+      </p:ext>
+    </p:extLst>
+  </p:cSld>
+  <p:clrMapOvr>
+    <a:masterClrMapping/>
+  </p:clrMapOvr>
+</p:notes>
+</file>
+
+<file path=ppt/notesSlides/notesSlide15.xml><?xml version="1.0" encoding="utf-8"?>
+<p:notes xmlns:a="http://schemas.openxmlformats.org/drawingml/2006/main" xmlns:r="http://schemas.openxmlformats.org/officeDocument/2006/relationships" xmlns:p="http://schemas.openxmlformats.org/presentationml/2006/main">
+  <p:cSld>
+    <p:spTree>
+      <p:nvGrpSpPr>
+        <p:cNvPr id="1" name=""/>
+        <p:cNvGrpSpPr/>
+        <p:nvPr/>
+      </p:nvGrpSpPr>
+      <p:grpSpPr>
+        <a:xfrm>
+          <a:off x="0" y="0"/>
+          <a:ext cx="0" cy="0"/>
+          <a:chOff x="0" y="0"/>
+          <a:chExt cx="0" cy="0"/>
+        </a:xfrm>
+      </p:grpSpPr>
+      <p:sp>
+        <p:nvSpPr>
+          <p:cNvPr id="2" name="1 Marcador de imagen de diapositiva"/>
+          <p:cNvSpPr>
+            <a:spLocks noGrp="1" noRot="1" noChangeAspect="1"/>
+          </p:cNvSpPr>
+          <p:nvPr>
+            <p:ph type="sldImg"/>
+          </p:nvPr>
+        </p:nvSpPr>
+        <p:spPr/>
+      </p:sp>
+      <p:sp>
+        <p:nvSpPr>
+          <p:cNvPr id="3" name="2 Marcador de notas"/>
+          <p:cNvSpPr>
+            <a:spLocks noGrp="1"/>
+          </p:cNvSpPr>
+          <p:nvPr>
+            <p:ph type="body" idx="1"/>
+          </p:nvPr>
+        </p:nvSpPr>
+        <p:spPr/>
+        <p:txBody>
+          <a:bodyPr/>
+          <a:lstStyle/>
+          <a:p>
+            <a:endParaRPr lang="es-PE" dirty="0"/>
+          </a:p>
+        </p:txBody>
+      </p:sp>
+      <p:sp>
+        <p:nvSpPr>
+          <p:cNvPr id="4" name="3 Marcador de número de diapositiva"/>
+          <p:cNvSpPr>
+            <a:spLocks noGrp="1"/>
+          </p:cNvSpPr>
+          <p:nvPr>
+            <p:ph type="sldNum" sz="quarter" idx="10"/>
+          </p:nvPr>
+        </p:nvSpPr>
+        <p:spPr/>
+        <p:txBody>
+          <a:bodyPr/>
+          <a:lstStyle/>
+          <a:p>
+            <a:fld id="{80C14895-23C8-45AE-85D5-3B35E5980A68}" type="slidenum">
+              <a:rPr lang="es-PE" smtClean="0"/>
+              <a:t>15</a:t>
             </a:fld>
             <a:endParaRPr lang="es-PE"/>
           </a:p>
@@ -2562,7 +2651,7 @@
             <a:fld id="{807CB568-C05F-482F-9F26-AA302B8892DF}" type="datetimeFigureOut">
               <a:rPr lang="es-ES" smtClean="0"/>
               <a:pPr/>
-              <a:t>23/04/2013</a:t>
+              <a:t>26/11/2013</a:t>
             </a:fld>
             <a:endParaRPr lang="es-ES"/>
           </a:p>
@@ -2741,7 +2830,7 @@
             <a:fld id="{807CB568-C05F-482F-9F26-AA302B8892DF}" type="datetimeFigureOut">
               <a:rPr lang="es-ES" smtClean="0"/>
               <a:pPr/>
-              <a:t>23/04/2013</a:t>
+              <a:t>26/11/2013</a:t>
             </a:fld>
             <a:endParaRPr lang="es-ES"/>
           </a:p>
@@ -2930,7 +3019,7 @@
             <a:fld id="{807CB568-C05F-482F-9F26-AA302B8892DF}" type="datetimeFigureOut">
               <a:rPr lang="es-ES" smtClean="0"/>
               <a:pPr/>
-              <a:t>23/04/2013</a:t>
+              <a:t>26/11/2013</a:t>
             </a:fld>
             <a:endParaRPr lang="es-ES"/>
           </a:p>
@@ -3109,7 +3198,7 @@
             <a:fld id="{807CB568-C05F-482F-9F26-AA302B8892DF}" type="datetimeFigureOut">
               <a:rPr lang="es-ES" smtClean="0"/>
               <a:pPr/>
-              <a:t>23/04/2013</a:t>
+              <a:t>26/11/2013</a:t>
             </a:fld>
             <a:endParaRPr lang="es-ES"/>
           </a:p>
@@ -3364,7 +3453,7 @@
             <a:fld id="{807CB568-C05F-482F-9F26-AA302B8892DF}" type="datetimeFigureOut">
               <a:rPr lang="es-ES" smtClean="0"/>
               <a:pPr/>
-              <a:t>23/04/2013</a:t>
+              <a:t>26/11/2013</a:t>
             </a:fld>
             <a:endParaRPr lang="es-ES"/>
           </a:p>
@@ -3661,7 +3750,7 @@
             <a:fld id="{807CB568-C05F-482F-9F26-AA302B8892DF}" type="datetimeFigureOut">
               <a:rPr lang="es-ES" smtClean="0"/>
               <a:pPr/>
-              <a:t>23/04/2013</a:t>
+              <a:t>26/11/2013</a:t>
             </a:fld>
             <a:endParaRPr lang="es-ES"/>
           </a:p>
@@ -4092,7 +4181,7 @@
             <a:fld id="{807CB568-C05F-482F-9F26-AA302B8892DF}" type="datetimeFigureOut">
               <a:rPr lang="es-ES" smtClean="0"/>
               <a:pPr/>
-              <a:t>23/04/2013</a:t>
+              <a:t>26/11/2013</a:t>
             </a:fld>
             <a:endParaRPr lang="es-ES"/>
           </a:p>
@@ -4219,7 +4308,7 @@
             <a:fld id="{807CB568-C05F-482F-9F26-AA302B8892DF}" type="datetimeFigureOut">
               <a:rPr lang="es-ES" smtClean="0"/>
               <a:pPr/>
-              <a:t>23/04/2013</a:t>
+              <a:t>26/11/2013</a:t>
             </a:fld>
             <a:endParaRPr lang="es-ES"/>
           </a:p>
@@ -4323,7 +4412,7 @@
             <a:fld id="{807CB568-C05F-482F-9F26-AA302B8892DF}" type="datetimeFigureOut">
               <a:rPr lang="es-ES" smtClean="0"/>
               <a:pPr/>
-              <a:t>23/04/2013</a:t>
+              <a:t>26/11/2013</a:t>
             </a:fld>
             <a:endParaRPr lang="es-ES"/>
           </a:p>
@@ -4609,7 +4698,7 @@
             <a:fld id="{807CB568-C05F-482F-9F26-AA302B8892DF}" type="datetimeFigureOut">
               <a:rPr lang="es-ES" smtClean="0"/>
               <a:pPr/>
-              <a:t>23/04/2013</a:t>
+              <a:t>26/11/2013</a:t>
             </a:fld>
             <a:endParaRPr lang="es-ES"/>
           </a:p>
@@ -4878,7 +4967,7 @@
             <a:fld id="{807CB568-C05F-482F-9F26-AA302B8892DF}" type="datetimeFigureOut">
               <a:rPr lang="es-ES" smtClean="0"/>
               <a:pPr/>
-              <a:t>23/04/2013</a:t>
+              <a:t>26/11/2013</a:t>
             </a:fld>
             <a:endParaRPr lang="es-ES"/>
           </a:p>
@@ -5129,7 +5218,7 @@
             <a:fld id="{807CB568-C05F-482F-9F26-AA302B8892DF}" type="datetimeFigureOut">
               <a:rPr lang="es-ES" smtClean="0"/>
               <a:pPr/>
-              <a:t>23/04/2013</a:t>
+              <a:t>26/11/2013</a:t>
             </a:fld>
             <a:endParaRPr lang="es-ES"/>
           </a:p>
@@ -7168,6 +7257,211 @@
       </p:grpSpPr>
       <p:sp>
         <p:nvSpPr>
+          <p:cNvPr id="5" name="2 Título"/>
+          <p:cNvSpPr>
+            <a:spLocks noGrp="1"/>
+          </p:cNvSpPr>
+          <p:nvPr>
+            <p:ph type="title"/>
+          </p:nvPr>
+        </p:nvSpPr>
+        <p:spPr>
+          <a:xfrm>
+            <a:off x="395536" y="260648"/>
+            <a:ext cx="8229600" cy="1800200"/>
+          </a:xfrm>
+        </p:spPr>
+        <p:txBody>
+          <a:bodyPr/>
+          <a:lstStyle/>
+          <a:p>
+            <a:r>
+              <a:rPr lang="es-PE" dirty="0" smtClean="0">
+                <a:solidFill>
+                  <a:srgbClr val="FFC000"/>
+                </a:solidFill>
+              </a:rPr>
+              <a:t>Ejercicio</a:t>
+            </a:r>
+            <a:br>
+              <a:rPr lang="es-PE" dirty="0" smtClean="0">
+                <a:solidFill>
+                  <a:srgbClr val="FFC000"/>
+                </a:solidFill>
+              </a:rPr>
+            </a:br>
+            <a:r>
+              <a:rPr lang="es-PE" dirty="0" smtClean="0">
+                <a:solidFill>
+                  <a:srgbClr val="00B050"/>
+                </a:solidFill>
+              </a:rPr>
+              <a:t>Cómo Escribir un código </a:t>
+            </a:r>
+            <a:r>
+              <a:rPr lang="es-PE" dirty="0" err="1" smtClean="0">
+                <a:solidFill>
+                  <a:srgbClr val="00B050"/>
+                </a:solidFill>
+              </a:rPr>
+              <a:t>Testeable</a:t>
+            </a:r>
+            <a:endParaRPr lang="es-PE" dirty="0">
+              <a:solidFill>
+                <a:srgbClr val="00B050"/>
+              </a:solidFill>
+            </a:endParaRPr>
+          </a:p>
+        </p:txBody>
+      </p:sp>
+      <p:sp>
+        <p:nvSpPr>
+          <p:cNvPr id="2" name="1 CuadroTexto"/>
+          <p:cNvSpPr txBox="1"/>
+          <p:nvPr/>
+        </p:nvSpPr>
+        <p:spPr>
+          <a:xfrm>
+            <a:off x="504274" y="2060848"/>
+            <a:ext cx="8136904" cy="4524315"/>
+          </a:xfrm>
+          <a:prstGeom prst="rect">
+            <a:avLst/>
+          </a:prstGeom>
+          <a:noFill/>
+        </p:spPr>
+        <p:txBody>
+          <a:bodyPr wrap="square" rtlCol="0">
+            <a:spAutoFit/>
+          </a:bodyPr>
+          <a:lstStyle/>
+          <a:p>
+            <a:r>
+              <a:rPr lang="es-PE" sz="2800" dirty="0" smtClean="0"/>
+              <a:t>A cada grupo se le ha asignado un problema que afecta la </a:t>
+            </a:r>
+            <a:r>
+              <a:rPr lang="es-PE" sz="2800" dirty="0" err="1" smtClean="0"/>
+              <a:t>testeabilidad</a:t>
+            </a:r>
+            <a:r>
+              <a:rPr lang="es-PE" sz="2800" dirty="0" smtClean="0"/>
+              <a:t>.</a:t>
+            </a:r>
+          </a:p>
+          <a:p>
+            <a:endParaRPr lang="es-PE" sz="2800" dirty="0"/>
+          </a:p>
+          <a:p>
+            <a:r>
+              <a:rPr lang="es-PE" sz="2800" dirty="0" smtClean="0"/>
+              <a:t>Cada grupo debe realizar una presentación de ese problema considerando lo siguiente:</a:t>
+            </a:r>
+          </a:p>
+          <a:p>
+            <a:pPr marL="457200" indent="-457200">
+              <a:buFont typeface="Arial" panose="020B0604020202020204" pitchFamily="34" charset="0"/>
+              <a:buChar char="•"/>
+            </a:pPr>
+            <a:r>
+              <a:rPr lang="es-PE" sz="2400" dirty="0" smtClean="0"/>
+              <a:t>¿Por qué afecta la </a:t>
+            </a:r>
+            <a:r>
+              <a:rPr lang="es-PE" sz="2400" dirty="0" err="1" smtClean="0"/>
+              <a:t>testeabilidad</a:t>
+            </a:r>
+            <a:r>
+              <a:rPr lang="es-PE" sz="2400" dirty="0" smtClean="0"/>
+              <a:t>?</a:t>
+            </a:r>
+          </a:p>
+          <a:p>
+            <a:pPr marL="457200" indent="-457200">
+              <a:buFont typeface="Arial" panose="020B0604020202020204" pitchFamily="34" charset="0"/>
+              <a:buChar char="•"/>
+            </a:pPr>
+            <a:r>
+              <a:rPr lang="es-PE" sz="2400" dirty="0"/>
+              <a:t>¿</a:t>
+            </a:r>
+            <a:r>
+              <a:rPr lang="es-PE" sz="2400" dirty="0" smtClean="0"/>
+              <a:t>Cómo reconocer el problema?</a:t>
+            </a:r>
+          </a:p>
+          <a:p>
+            <a:pPr marL="457200" indent="-457200">
+              <a:buFont typeface="Arial" panose="020B0604020202020204" pitchFamily="34" charset="0"/>
+              <a:buChar char="•"/>
+            </a:pPr>
+            <a:r>
+              <a:rPr lang="es-PE" sz="2400" dirty="0" smtClean="0"/>
+              <a:t>¿Cómo solucionarlo?</a:t>
+            </a:r>
+          </a:p>
+          <a:p>
+            <a:pPr marL="457200" indent="-457200">
+              <a:buFont typeface="Arial" panose="020B0604020202020204" pitchFamily="34" charset="0"/>
+              <a:buChar char="•"/>
+            </a:pPr>
+            <a:r>
+              <a:rPr lang="es-PE" sz="2400" dirty="0" smtClean="0"/>
+              <a:t>Apoyarse de Ejemplo(s) concretos.</a:t>
+            </a:r>
+            <a:endParaRPr lang="es-PE" sz="2400" dirty="0"/>
+          </a:p>
+          <a:p>
+            <a:endParaRPr lang="es-PE" sz="2400" dirty="0" smtClean="0"/>
+          </a:p>
+          <a:p>
+            <a:r>
+              <a:rPr lang="es-PE" sz="2800" dirty="0" smtClean="0"/>
+              <a:t>La presentación dura máximo 10 min. por grupo.</a:t>
+            </a:r>
+            <a:endParaRPr lang="es-PE" sz="2400" dirty="0" smtClean="0"/>
+          </a:p>
+        </p:txBody>
+      </p:sp>
+    </p:spTree>
+    <p:extLst>
+      <p:ext uri="{BB962C8B-B14F-4D97-AF65-F5344CB8AC3E}">
+        <p14:creationId xmlns:p14="http://schemas.microsoft.com/office/powerpoint/2010/main" val="2778247746"/>
+      </p:ext>
+    </p:extLst>
+  </p:cSld>
+  <p:clrMapOvr>
+    <a:masterClrMapping/>
+  </p:clrMapOvr>
+  <p:timing>
+    <p:tnLst>
+      <p:par>
+        <p:cTn id="1" dur="indefinite" restart="never" nodeType="tmRoot"/>
+      </p:par>
+    </p:tnLst>
+  </p:timing>
+</p:sld>
+</file>
+
+<file path=ppt/slides/slide15.xml><?xml version="1.0" encoding="utf-8"?>
+<p:sld xmlns:a="http://schemas.openxmlformats.org/drawingml/2006/main" xmlns:r="http://schemas.openxmlformats.org/officeDocument/2006/relationships" xmlns:p="http://schemas.openxmlformats.org/presentationml/2006/main">
+  <p:cSld>
+    <p:spTree>
+      <p:nvGrpSpPr>
+        <p:cNvPr id="1" name=""/>
+        <p:cNvGrpSpPr/>
+        <p:nvPr/>
+      </p:nvGrpSpPr>
+      <p:grpSpPr>
+        <a:xfrm>
+          <a:off x="0" y="0"/>
+          <a:ext cx="0" cy="0"/>
+          <a:chOff x="0" y="0"/>
+          <a:chExt cx="0" cy="0"/>
+        </a:xfrm>
+      </p:grpSpPr>
+      <p:sp>
+        <p:nvSpPr>
           <p:cNvPr id="3" name="2 Título"/>
           <p:cNvSpPr>
             <a:spLocks noGrp="1"/>
@@ -7954,19 +8248,11 @@
               <a:buChar char="•"/>
             </a:pPr>
             <a:r>
-              <a:rPr lang="es-ES" sz="2800" dirty="0">
-                <a:solidFill>
-                  <a:srgbClr val="FFC000"/>
-                </a:solidFill>
-              </a:rPr>
+              <a:rPr lang="es-ES" sz="2800" dirty="0"/>
               <a:t>Aislar las dependencias e inyectarlas</a:t>
             </a:r>
             <a:r>
-              <a:rPr lang="es-ES" sz="2800" dirty="0" smtClean="0">
-                <a:solidFill>
-                  <a:srgbClr val="FFC000"/>
-                </a:solidFill>
-              </a:rPr>
+              <a:rPr lang="es-ES" sz="2800" dirty="0" smtClean="0"/>
               <a:t>.</a:t>
             </a:r>
           </a:p>
@@ -8023,7 +8309,75 @@
   <p:timing>
     <p:tnLst>
       <p:par>
-        <p:cTn id="1" dur="indefinite" restart="never" nodeType="tmRoot"/>
+        <p:cTn id="1" dur="indefinite" restart="never" nodeType="tmRoot">
+          <p:childTnLst>
+            <p:seq concurrent="1" nextAc="seek">
+              <p:cTn id="2" dur="indefinite" nodeType="mainSeq">
+                <p:childTnLst>
+                  <p:par>
+                    <p:cTn id="3" fill="hold">
+                      <p:stCondLst>
+                        <p:cond delay="indefinite"/>
+                      </p:stCondLst>
+                      <p:childTnLst>
+                        <p:par>
+                          <p:cTn id="4" fill="hold">
+                            <p:stCondLst>
+                              <p:cond delay="0"/>
+                            </p:stCondLst>
+                            <p:childTnLst>
+                              <p:par>
+                                <p:cTn id="5" presetID="3" presetClass="emph" presetSubtype="2" fill="hold" nodeType="clickEffect">
+                                  <p:stCondLst>
+                                    <p:cond delay="0"/>
+                                  </p:stCondLst>
+                                  <p:childTnLst>
+                                    <p:animClr clrSpc="rgb" dir="cw">
+                                      <p:cBhvr override="childStyle">
+                                        <p:cTn id="6" dur="500" fill="hold"/>
+                                        <p:tgtEl>
+                                          <p:spTgt spid="2">
+                                            <p:txEl>
+                                              <p:pRg st="0" end="0"/>
+                                            </p:txEl>
+                                          </p:spTgt>
+                                        </p:tgtEl>
+                                        <p:attrNameLst>
+                                          <p:attrName>style.color</p:attrName>
+                                        </p:attrNameLst>
+                                      </p:cBhvr>
+                                      <p:to>
+                                        <a:srgbClr val="FFC000"/>
+                                      </p:to>
+                                    </p:animClr>
+                                  </p:childTnLst>
+                                </p:cTn>
+                              </p:par>
+                            </p:childTnLst>
+                          </p:cTn>
+                        </p:par>
+                      </p:childTnLst>
+                    </p:cTn>
+                  </p:par>
+                </p:childTnLst>
+              </p:cTn>
+              <p:prevCondLst>
+                <p:cond evt="onPrev" delay="0">
+                  <p:tgtEl>
+                    <p:sldTgt/>
+                  </p:tgtEl>
+                </p:cond>
+              </p:prevCondLst>
+              <p:nextCondLst>
+                <p:cond evt="onNext" delay="0">
+                  <p:tgtEl>
+                    <p:sldTgt/>
+                  </p:tgtEl>
+                </p:cond>
+              </p:nextCondLst>
+            </p:seq>
+          </p:childTnLst>
+        </p:cTn>
       </p:par>
     </p:tnLst>
   </p:timing>
